--- a/lesson8/java-conditions.pptx
+++ b/lesson8/java-conditions.pptx
@@ -296,7 +296,7 @@
             <a:fld id="{530820CF-B880-4189-942D-D702A7CBA730}" type="datetimeFigureOut">
               <a:rPr lang="zh-CN" altLang="en-US" smtClean="0"/>
               <a:pPr/>
-              <a:t>2015/4/16</a:t>
+              <a:t>2015/4/17</a:t>
             </a:fld>
             <a:endParaRPr lang="zh-CN" altLang="en-US"/>
           </a:p>
@@ -463,7 +463,7 @@
             <a:fld id="{530820CF-B880-4189-942D-D702A7CBA730}" type="datetimeFigureOut">
               <a:rPr lang="zh-CN" altLang="en-US" smtClean="0"/>
               <a:pPr/>
-              <a:t>2015/4/16</a:t>
+              <a:t>2015/4/17</a:t>
             </a:fld>
             <a:endParaRPr lang="zh-CN" altLang="en-US"/>
           </a:p>
@@ -640,7 +640,7 @@
             <a:fld id="{530820CF-B880-4189-942D-D702A7CBA730}" type="datetimeFigureOut">
               <a:rPr lang="zh-CN" altLang="en-US" smtClean="0"/>
               <a:pPr/>
-              <a:t>2015/4/16</a:t>
+              <a:t>2015/4/17</a:t>
             </a:fld>
             <a:endParaRPr lang="zh-CN" altLang="en-US"/>
           </a:p>
@@ -807,7 +807,7 @@
             <a:fld id="{530820CF-B880-4189-942D-D702A7CBA730}" type="datetimeFigureOut">
               <a:rPr lang="zh-CN" altLang="en-US" smtClean="0"/>
               <a:pPr/>
-              <a:t>2015/4/16</a:t>
+              <a:t>2015/4/17</a:t>
             </a:fld>
             <a:endParaRPr lang="zh-CN" altLang="en-US"/>
           </a:p>
@@ -1050,7 +1050,7 @@
             <a:fld id="{530820CF-B880-4189-942D-D702A7CBA730}" type="datetimeFigureOut">
               <a:rPr lang="zh-CN" altLang="en-US" smtClean="0"/>
               <a:pPr/>
-              <a:t>2015/4/16</a:t>
+              <a:t>2015/4/17</a:t>
             </a:fld>
             <a:endParaRPr lang="zh-CN" altLang="en-US"/>
           </a:p>
@@ -1335,7 +1335,7 @@
             <a:fld id="{530820CF-B880-4189-942D-D702A7CBA730}" type="datetimeFigureOut">
               <a:rPr lang="zh-CN" altLang="en-US" smtClean="0"/>
               <a:pPr/>
-              <a:t>2015/4/16</a:t>
+              <a:t>2015/4/17</a:t>
             </a:fld>
             <a:endParaRPr lang="zh-CN" altLang="en-US"/>
           </a:p>
@@ -1754,7 +1754,7 @@
             <a:fld id="{530820CF-B880-4189-942D-D702A7CBA730}" type="datetimeFigureOut">
               <a:rPr lang="zh-CN" altLang="en-US" smtClean="0"/>
               <a:pPr/>
-              <a:t>2015/4/16</a:t>
+              <a:t>2015/4/17</a:t>
             </a:fld>
             <a:endParaRPr lang="zh-CN" altLang="en-US"/>
           </a:p>
@@ -1869,7 +1869,7 @@
             <a:fld id="{530820CF-B880-4189-942D-D702A7CBA730}" type="datetimeFigureOut">
               <a:rPr lang="zh-CN" altLang="en-US" smtClean="0"/>
               <a:pPr/>
-              <a:t>2015/4/16</a:t>
+              <a:t>2015/4/17</a:t>
             </a:fld>
             <a:endParaRPr lang="zh-CN" altLang="en-US"/>
           </a:p>
@@ -1961,7 +1961,7 @@
             <a:fld id="{530820CF-B880-4189-942D-D702A7CBA730}" type="datetimeFigureOut">
               <a:rPr lang="zh-CN" altLang="en-US" smtClean="0"/>
               <a:pPr/>
-              <a:t>2015/4/16</a:t>
+              <a:t>2015/4/17</a:t>
             </a:fld>
             <a:endParaRPr lang="zh-CN" altLang="en-US"/>
           </a:p>
@@ -2235,7 +2235,7 @@
             <a:fld id="{530820CF-B880-4189-942D-D702A7CBA730}" type="datetimeFigureOut">
               <a:rPr lang="zh-CN" altLang="en-US" smtClean="0"/>
               <a:pPr/>
-              <a:t>2015/4/16</a:t>
+              <a:t>2015/4/17</a:t>
             </a:fld>
             <a:endParaRPr lang="zh-CN" altLang="en-US"/>
           </a:p>
@@ -2485,7 +2485,7 @@
             <a:fld id="{530820CF-B880-4189-942D-D702A7CBA730}" type="datetimeFigureOut">
               <a:rPr lang="zh-CN" altLang="en-US" smtClean="0"/>
               <a:pPr/>
-              <a:t>2015/4/16</a:t>
+              <a:t>2015/4/17</a:t>
             </a:fld>
             <a:endParaRPr lang="zh-CN" altLang="en-US"/>
           </a:p>
@@ -2695,7 +2695,7 @@
             <a:fld id="{530820CF-B880-4189-942D-D702A7CBA730}" type="datetimeFigureOut">
               <a:rPr lang="zh-CN" altLang="en-US" smtClean="0"/>
               <a:pPr/>
-              <a:t>2015/4/16</a:t>
+              <a:t>2015/4/17</a:t>
             </a:fld>
             <a:endParaRPr lang="zh-CN" altLang="en-US"/>
           </a:p>
@@ -3084,11 +3084,7 @@
             <a:pPr lvl="0"/>
             <a:r>
               <a:rPr lang="zh-CN" altLang="zh-CN" dirty="0" smtClean="0"/>
-              <a:t>条件选择结</a:t>
-            </a:r>
-            <a:r>
-              <a:rPr lang="zh-CN" altLang="zh-CN" dirty="0" smtClean="0"/>
-              <a:t>构</a:t>
+              <a:t>条件选择结构</a:t>
             </a:r>
             <a:endParaRPr lang="zh-CN" altLang="en-US" dirty="0"/>
           </a:p>
@@ -3118,6 +3114,13 @@
   <p:clrMapOvr>
     <a:masterClrMapping/>
   </p:clrMapOvr>
+  <p:timing>
+    <p:tnLst>
+      <p:par>
+        <p:cTn id="1" dur="indefinite" restart="never" nodeType="tmRoot"/>
+      </p:par>
+    </p:tnLst>
+  </p:timing>
 </p:sld>
 </file>
 
@@ -3211,6 +3214,13 @@
   <p:clrMapOvr>
     <a:masterClrMapping/>
   </p:clrMapOvr>
+  <p:timing>
+    <p:tnLst>
+      <p:par>
+        <p:cTn id="1" dur="indefinite" restart="never" nodeType="tmRoot"/>
+      </p:par>
+    </p:tnLst>
+  </p:timing>
 </p:sld>
 </file>
 
@@ -3271,11 +3281,7 @@
           <a:p>
             <a:r>
               <a:rPr lang="zh-CN" altLang="en-US" dirty="0" smtClean="0"/>
-              <a:t>函</a:t>
-            </a:r>
-            <a:r>
-              <a:rPr lang="zh-CN" altLang="en-US" dirty="0" smtClean="0"/>
-              <a:t>数</a:t>
+              <a:t>函数</a:t>
             </a:r>
             <a:r>
               <a:rPr lang="en-US" altLang="zh-CN" dirty="0" smtClean="0"/>
@@ -3302,11 +3308,7 @@
             <a:pPr lvl="1"/>
             <a:r>
               <a:rPr lang="zh-CN" altLang="en-US" dirty="0" smtClean="0"/>
-              <a:t>如</a:t>
-            </a:r>
-            <a:r>
-              <a:rPr lang="zh-CN" altLang="en-US" dirty="0" smtClean="0"/>
-              <a:t>果年龄</a:t>
+              <a:t>如果年龄</a:t>
             </a:r>
             <a:r>
               <a:rPr lang="en-US" altLang="zh-CN" dirty="0" smtClean="0"/>
@@ -3322,11 +3324,7 @@
             <a:pPr lvl="1"/>
             <a:r>
               <a:rPr lang="zh-CN" altLang="en-US" dirty="0" smtClean="0"/>
-              <a:t>如</a:t>
-            </a:r>
-            <a:r>
-              <a:rPr lang="zh-CN" altLang="en-US" dirty="0" smtClean="0"/>
-              <a:t>果年龄</a:t>
+              <a:t>如果年龄</a:t>
             </a:r>
             <a:r>
               <a:rPr lang="en-US" altLang="zh-CN" dirty="0" smtClean="0"/>
@@ -3342,11 +3340,7 @@
             <a:pPr lvl="1"/>
             <a:r>
               <a:rPr lang="zh-CN" altLang="en-US" dirty="0" smtClean="0"/>
-              <a:t>如</a:t>
-            </a:r>
-            <a:r>
-              <a:rPr lang="zh-CN" altLang="en-US" dirty="0" smtClean="0"/>
-              <a:t>果年龄</a:t>
+              <a:t>如果年龄</a:t>
             </a:r>
             <a:r>
               <a:rPr lang="en-US" altLang="zh-CN" dirty="0" smtClean="0"/>
@@ -3362,11 +3356,7 @@
             <a:pPr lvl="1"/>
             <a:r>
               <a:rPr lang="zh-CN" altLang="en-US" dirty="0" smtClean="0"/>
-              <a:t>如</a:t>
-            </a:r>
-            <a:r>
-              <a:rPr lang="zh-CN" altLang="en-US" dirty="0" smtClean="0"/>
-              <a:t>果年龄</a:t>
+              <a:t>如果年龄</a:t>
             </a:r>
             <a:r>
               <a:rPr lang="en-US" altLang="zh-CN" dirty="0" smtClean="0"/>
@@ -3382,11 +3372,7 @@
             <a:pPr lvl="1"/>
             <a:r>
               <a:rPr lang="zh-CN" altLang="en-US" dirty="0" smtClean="0"/>
-              <a:t>否</a:t>
-            </a:r>
-            <a:r>
-              <a:rPr lang="zh-CN" altLang="en-US" dirty="0" smtClean="0"/>
-              <a:t>则，老年</a:t>
+              <a:t>否则，老年</a:t>
             </a:r>
             <a:endParaRPr lang="zh-CN" altLang="en-US" dirty="0"/>
           </a:p>
@@ -3397,6 +3383,13 @@
   <p:clrMapOvr>
     <a:masterClrMapping/>
   </p:clrMapOvr>
+  <p:timing>
+    <p:tnLst>
+      <p:par>
+        <p:cTn id="1" dur="indefinite" restart="never" nodeType="tmRoot"/>
+      </p:par>
+    </p:tnLst>
+  </p:timing>
 </p:sld>
 </file>
 
@@ -3495,21 +3488,13 @@
           <a:p>
             <a:r>
               <a:rPr lang="en-US" altLang="zh-CN" dirty="0" smtClean="0"/>
-              <a:t> </a:t>
-            </a:r>
-            <a:r>
-              <a:rPr lang="en-US" altLang="zh-CN" dirty="0" smtClean="0"/>
-              <a:t>  if (age &gt;22) return true;</a:t>
-            </a:r>
-          </a:p>
-          <a:p>
-            <a:r>
-              <a:rPr lang="en-US" altLang="zh-CN" dirty="0" smtClean="0"/>
-              <a:t> </a:t>
-            </a:r>
-            <a:r>
-              <a:rPr lang="en-US" altLang="zh-CN" dirty="0" smtClean="0"/>
-              <a:t>  else return false;</a:t>
+              <a:t>   if (age &gt;22) return true;</a:t>
+            </a:r>
+          </a:p>
+          <a:p>
+            <a:r>
+              <a:rPr lang="en-US" altLang="zh-CN" dirty="0" smtClean="0"/>
+              <a:t>   else return false;</a:t>
             </a:r>
           </a:p>
           <a:p>
@@ -3527,23 +3512,7 @@
           <a:p>
             <a:r>
               <a:rPr lang="en-US" altLang="zh-CN" dirty="0" smtClean="0"/>
-              <a:t> </a:t>
-            </a:r>
-            <a:r>
-              <a:rPr lang="en-US" altLang="zh-CN" dirty="0" smtClean="0"/>
-              <a:t>  </a:t>
-            </a:r>
-            <a:r>
-              <a:rPr lang="en-US" altLang="zh-CN" dirty="0" smtClean="0"/>
-              <a:t>if (age &gt;</a:t>
-            </a:r>
-            <a:r>
-              <a:rPr lang="en-US" altLang="zh-CN" dirty="0" smtClean="0"/>
-              <a:t>20) </a:t>
-            </a:r>
-            <a:r>
-              <a:rPr lang="en-US" altLang="zh-CN" dirty="0" smtClean="0"/>
-              <a:t>return true;</a:t>
+              <a:t>   if (age &gt;20) return true;</a:t>
             </a:r>
           </a:p>
           <a:p>
@@ -3580,6 +3549,13 @@
   <p:clrMapOvr>
     <a:masterClrMapping/>
   </p:clrMapOvr>
+  <p:timing>
+    <p:tnLst>
+      <p:par>
+        <p:cTn id="1" dur="indefinite" restart="never" nodeType="tmRoot"/>
+      </p:par>
+    </p:tnLst>
+  </p:timing>
 </p:sld>
 </file>
 
@@ -3666,21 +3642,13 @@
           <a:p>
             <a:r>
               <a:rPr lang="en-US" altLang="zh-CN" dirty="0" smtClean="0"/>
-              <a:t> </a:t>
-            </a:r>
-            <a:r>
-              <a:rPr lang="en-US" altLang="zh-CN" dirty="0" smtClean="0"/>
-              <a:t>case value1: </a:t>
-            </a:r>
-          </a:p>
-          <a:p>
-            <a:r>
-              <a:rPr lang="en-US" altLang="zh-CN" dirty="0" smtClean="0"/>
-              <a:t> </a:t>
-            </a:r>
-            <a:r>
-              <a:rPr lang="en-US" altLang="zh-CN" dirty="0" smtClean="0"/>
-              <a:t>   statement;</a:t>
+              <a:t> case value1: </a:t>
+            </a:r>
+          </a:p>
+          <a:p>
+            <a:r>
+              <a:rPr lang="en-US" altLang="zh-CN" dirty="0" smtClean="0"/>
+              <a:t>    statement;</a:t>
             </a:r>
           </a:p>
           <a:p>
@@ -3692,13 +3660,8 @@
           <a:p>
             <a:r>
               <a:rPr lang="en-US" altLang="zh-CN" dirty="0" smtClean="0"/>
-              <a:t>case </a:t>
-            </a:r>
-            <a:r>
-              <a:rPr lang="en-US" altLang="zh-CN" dirty="0" smtClean="0"/>
-              <a:t>value2: </a:t>
-            </a:r>
-            <a:endParaRPr lang="en-US" altLang="zh-CN" dirty="0" smtClean="0"/>
+              <a:t>case value2: </a:t>
+            </a:r>
           </a:p>
           <a:p>
             <a:r>
@@ -3709,11 +3672,7 @@
           <a:p>
             <a:r>
               <a:rPr lang="en-US" altLang="zh-CN" dirty="0" smtClean="0"/>
-              <a:t>    break</a:t>
-            </a:r>
-            <a:r>
-              <a:rPr lang="en-US" altLang="zh-CN" dirty="0" smtClean="0"/>
-              <a:t>;</a:t>
+              <a:t>    break;</a:t>
             </a:r>
           </a:p>
           <a:p>
@@ -3731,21 +3690,13 @@
           <a:p>
             <a:r>
               <a:rPr lang="en-US" altLang="zh-CN" dirty="0" smtClean="0"/>
-              <a:t> </a:t>
-            </a:r>
-            <a:r>
-              <a:rPr lang="en-US" altLang="zh-CN" dirty="0" smtClean="0"/>
-              <a:t>   statement;</a:t>
-            </a:r>
-          </a:p>
-          <a:p>
-            <a:r>
-              <a:rPr lang="en-US" altLang="zh-CN" dirty="0" smtClean="0"/>
-              <a:t> </a:t>
-            </a:r>
-            <a:r>
-              <a:rPr lang="en-US" altLang="zh-CN" dirty="0" smtClean="0"/>
-              <a:t>   break;</a:t>
+              <a:t>    statement;</a:t>
+            </a:r>
+          </a:p>
+          <a:p>
+            <a:r>
+              <a:rPr lang="en-US" altLang="zh-CN" dirty="0" smtClean="0"/>
+              <a:t>    break;</a:t>
             </a:r>
           </a:p>
           <a:p>
@@ -3765,6 +3716,13 @@
   <p:clrMapOvr>
     <a:masterClrMapping/>
   </p:clrMapOvr>
+  <p:timing>
+    <p:tnLst>
+      <p:par>
+        <p:cTn id="1" dur="indefinite" restart="never" nodeType="tmRoot"/>
+      </p:par>
+    </p:tnLst>
+  </p:timing>
 </p:sld>
 </file>
 
@@ -3929,6 +3887,13 @@
   <p:clrMapOvr>
     <a:masterClrMapping/>
   </p:clrMapOvr>
+  <p:timing>
+    <p:tnLst>
+      <p:par>
+        <p:cTn id="1" dur="indefinite" restart="never" nodeType="tmRoot"/>
+      </p:par>
+    </p:tnLst>
+  </p:timing>
 </p:sld>
 </file>
 
@@ -3996,11 +3961,7 @@
           <a:p>
             <a:r>
               <a:rPr lang="zh-CN" altLang="en-US" dirty="0" smtClean="0"/>
-              <a:t>输</a:t>
-            </a:r>
-            <a:r>
-              <a:rPr lang="zh-CN" altLang="en-US" dirty="0" smtClean="0"/>
-              <a:t>出：</a:t>
+              <a:t>输出：</a:t>
             </a:r>
             <a:r>
               <a:rPr lang="en-US" altLang="zh-CN" dirty="0" err="1" smtClean="0"/>
@@ -4031,11 +3992,7 @@
             </a:r>
             <a:r>
               <a:rPr lang="zh-CN" altLang="en-US" dirty="0" smtClean="0"/>
-              <a:t>整除的为闰</a:t>
-            </a:r>
-            <a:r>
-              <a:rPr lang="zh-CN" altLang="en-US" dirty="0" smtClean="0"/>
-              <a:t>年</a:t>
+              <a:t>整除的为闰年</a:t>
             </a:r>
             <a:endParaRPr lang="en-US" altLang="zh-CN" dirty="0" smtClean="0"/>
           </a:p>
@@ -4051,22 +4008,14 @@
             </a:r>
             <a:r>
               <a:rPr lang="zh-CN" altLang="en-US" dirty="0" smtClean="0"/>
-              <a:t>整除的是闰</a:t>
-            </a:r>
+              <a:t>整除的是闰年</a:t>
+            </a:r>
+            <a:endParaRPr lang="en-US" altLang="zh-CN" dirty="0" smtClean="0"/>
+          </a:p>
+          <a:p>
             <a:r>
               <a:rPr lang="zh-CN" altLang="en-US" dirty="0" smtClean="0"/>
-              <a:t>年</a:t>
-            </a:r>
-            <a:endParaRPr lang="en-US" altLang="zh-CN" dirty="0" smtClean="0"/>
-          </a:p>
-          <a:p>
-            <a:r>
-              <a:rPr lang="zh-CN" altLang="en-US" dirty="0" smtClean="0"/>
-              <a:t>函</a:t>
-            </a:r>
-            <a:r>
-              <a:rPr lang="zh-CN" altLang="en-US" dirty="0" smtClean="0"/>
-              <a:t>数原型：</a:t>
+              <a:t>函数原型：</a:t>
             </a:r>
             <a:endParaRPr lang="en-US" altLang="zh-CN" dirty="0" smtClean="0"/>
           </a:p>
@@ -4105,6 +4054,13 @@
   <p:clrMapOvr>
     <a:masterClrMapping/>
   </p:clrMapOvr>
+  <p:timing>
+    <p:tnLst>
+      <p:par>
+        <p:cTn id="1" dur="indefinite" restart="never" nodeType="tmRoot"/>
+      </p:par>
+    </p:tnLst>
+  </p:timing>
 </p:sld>
 </file>
 
@@ -4165,11 +4121,7 @@
           <a:p>
             <a:r>
               <a:rPr lang="zh-CN" altLang="en-US" dirty="0" smtClean="0"/>
-              <a:t>输</a:t>
-            </a:r>
-            <a:r>
-              <a:rPr lang="zh-CN" altLang="en-US" dirty="0" smtClean="0"/>
-              <a:t>入：</a:t>
+              <a:t>输入：</a:t>
             </a:r>
             <a:r>
               <a:rPr lang="en-US" altLang="zh-CN" dirty="0" smtClean="0"/>
@@ -4191,11 +4143,7 @@
           <a:p>
             <a:r>
               <a:rPr lang="zh-CN" altLang="en-US" dirty="0" smtClean="0"/>
-              <a:t>提</a:t>
-            </a:r>
-            <a:r>
-              <a:rPr lang="zh-CN" altLang="en-US" dirty="0" smtClean="0"/>
-              <a:t>示：折半猜，如先判断在</a:t>
+              <a:t>提示：折半猜，如先判断在</a:t>
             </a:r>
             <a:r>
               <a:rPr lang="en-US" altLang="zh-CN" dirty="0" smtClean="0"/>
@@ -4218,11 +4166,7 @@
           <a:p>
             <a:r>
               <a:rPr lang="zh-CN" altLang="en-US" dirty="0" smtClean="0"/>
-              <a:t>原</a:t>
-            </a:r>
-            <a:r>
-              <a:rPr lang="zh-CN" altLang="en-US" dirty="0" smtClean="0"/>
-              <a:t>型：</a:t>
+              <a:t>原型：</a:t>
             </a:r>
             <a:r>
               <a:rPr lang="en-US" altLang="zh-CN" dirty="0" smtClean="0"/>
@@ -4252,6 +4196,13 @@
   <p:clrMapOvr>
     <a:masterClrMapping/>
   </p:clrMapOvr>
+  <p:timing>
+    <p:tnLst>
+      <p:par>
+        <p:cTn id="1" dur="indefinite" restart="never" nodeType="tmRoot"/>
+      </p:par>
+    </p:tnLst>
+  </p:timing>
 </p:sld>
 </file>
 
